--- a/Passbox.pptx
+++ b/Passbox.pptx
@@ -4247,7 +4247,11 @@
             </a:pPr>
             <a:r>
               <a:rPr lang="it-IT" sz="1600" dirty="0"/>
-              <a:t>Utilizzare i linguaggi di programmazione markup come HTML, CSS e </a:t>
+              <a:t>Utilizzare i linguaggi di programmazione markup come HTML </a:t>
+            </a:r>
+            <a:r>
+              <a:rPr lang="it-IT" sz="1600"/>
+              <a:t>e CSS, </a:t>
             </a:r>
             <a:r>
               <a:rPr lang="it-IT" sz="1600" dirty="0" err="1"/>
@@ -4271,7 +4275,7 @@
             </a:r>
             <a:r>
               <a:rPr lang="it-IT" sz="1600" dirty="0"/>
-              <a:t> Java o Python tutto ciò per la realizzazione di una PWA.</a:t>
+              <a:t> Python tutto ciò per la realizzazione di una PWA.</a:t>
             </a:r>
           </a:p>
           <a:p>
